--- a/Term Project - Group 6 .pptx
+++ b/Term Project - Group 6 .pptx
@@ -5,7 +5,7 @@
     <p:sldMasterId id="2147483648" r:id="rId1"/>
   </p:sldMasterIdLst>
   <p:notesMasterIdLst>
-    <p:notesMasterId r:id="rId16"/>
+    <p:notesMasterId r:id="rId15"/>
   </p:notesMasterIdLst>
   <p:sldIdLst>
     <p:sldId id="256" r:id="rId2"/>
@@ -20,8 +20,7 @@
     <p:sldId id="265" r:id="rId11"/>
     <p:sldId id="266" r:id="rId12"/>
     <p:sldId id="268" r:id="rId13"/>
-    <p:sldId id="269" r:id="rId14"/>
-    <p:sldId id="270" r:id="rId15"/>
+    <p:sldId id="271" r:id="rId14"/>
   </p:sldIdLst>
   <p:sldSz cx="12192000" cy="6858000"/>
   <p:notesSz cx="6858000" cy="9144000"/>
@@ -28745,114 +28744,6 @@
               <a:t>I. Data description     III. Data preprocessing        V. Grid search application          </a:t>
             </a:r>
             <a:r>
-              <a:rPr lang="en-GB" b="1" dirty="0">
-                <a:solidFill>
-                  <a:srgbClr val="FF0000"/>
-                </a:solidFill>
-              </a:rPr>
-              <a:t>Conclusion</a:t>
-            </a:r>
-          </a:p>
-        </p:txBody>
-      </p:sp>
-    </p:spTree>
-    <p:extLst>
-      <p:ext uri="{BB962C8B-B14F-4D97-AF65-F5344CB8AC3E}">
-        <p14:creationId xmlns:p14="http://schemas.microsoft.com/office/powerpoint/2010/main" val="411328488"/>
-      </p:ext>
-    </p:extLst>
-  </p:cSld>
-  <p:clrMapOvr>
-    <a:masterClrMapping/>
-  </p:clrMapOvr>
-</p:sld>
-</file>
-
-<file path=ppt/slides/slide14.xml><?xml version="1.0" encoding="utf-8"?>
-<p:sld xmlns:a="http://schemas.openxmlformats.org/drawingml/2006/main" xmlns:r="http://schemas.openxmlformats.org/officeDocument/2006/relationships" xmlns:p="http://schemas.openxmlformats.org/presentationml/2006/main">
-  <p:cSld>
-    <p:spTree>
-      <p:nvGrpSpPr>
-        <p:cNvPr id="1" name=""/>
-        <p:cNvGrpSpPr/>
-        <p:nvPr/>
-      </p:nvGrpSpPr>
-      <p:grpSpPr>
-        <a:xfrm>
-          <a:off x="0" y="0"/>
-          <a:ext cx="0" cy="0"/>
-          <a:chOff x="0" y="0"/>
-          <a:chExt cx="0" cy="0"/>
-        </a:xfrm>
-      </p:grpSpPr>
-      <p:sp>
-        <p:nvSpPr>
-          <p:cNvPr id="3" name="Slide Number Placeholder 2">
-            <a:extLst>
-              <a:ext uri="{FF2B5EF4-FFF2-40B4-BE49-F238E27FC236}">
-                <a16:creationId xmlns:a16="http://schemas.microsoft.com/office/drawing/2014/main" id="{66DBF8DD-5735-3EEC-EBF6-60A0247CF55B}"/>
-              </a:ext>
-            </a:extLst>
-          </p:cNvPr>
-          <p:cNvSpPr>
-            <a:spLocks noGrp="1"/>
-          </p:cNvSpPr>
-          <p:nvPr>
-            <p:ph type="sldNum" sz="quarter" idx="12"/>
-          </p:nvPr>
-        </p:nvSpPr>
-        <p:spPr/>
-        <p:txBody>
-          <a:bodyPr/>
-          <a:lstStyle/>
-          <a:p>
-            <a:fld id="{A1F22A05-E042-4B7F-81D6-ACE60F87E97E}" type="slidenum">
-              <a:rPr lang="en-GB" smtClean="0"/>
-              <a:t>14</a:t>
-            </a:fld>
-            <a:endParaRPr lang="en-GB"/>
-          </a:p>
-        </p:txBody>
-      </p:sp>
-      <p:sp>
-        <p:nvSpPr>
-          <p:cNvPr id="2" name="TextBox 1">
-            <a:extLst>
-              <a:ext uri="{FF2B5EF4-FFF2-40B4-BE49-F238E27FC236}">
-                <a16:creationId xmlns:a16="http://schemas.microsoft.com/office/drawing/2014/main" id="{B2494CE2-9DE7-FE21-CBE5-4334B1FC46B6}"/>
-              </a:ext>
-            </a:extLst>
-          </p:cNvPr>
-          <p:cNvSpPr txBox="1"/>
-          <p:nvPr/>
-        </p:nvSpPr>
-        <p:spPr>
-          <a:xfrm>
-            <a:off x="754144" y="169682"/>
-            <a:ext cx="11594969" cy="646331"/>
-          </a:xfrm>
-          <a:prstGeom prst="rect">
-            <a:avLst/>
-          </a:prstGeom>
-          <a:noFill/>
-        </p:spPr>
-        <p:txBody>
-          <a:bodyPr wrap="square" rtlCol="0">
-            <a:spAutoFit/>
-          </a:bodyPr>
-          <a:lstStyle/>
-          <a:p>
-            <a:r>
-              <a:rPr lang="en-GB" dirty="0"/>
-              <a:t>Introduction                II. Data cleaning                   IV. First models application        VI. Features selection</a:t>
-            </a:r>
-          </a:p>
-          <a:p>
-            <a:r>
-              <a:rPr lang="en-GB" dirty="0"/>
-              <a:t>I. Data description     III. Data preprocessing        V. Grid search application          </a:t>
-            </a:r>
-            <a:r>
               <a:rPr lang="en-GB" dirty="0">
                 <a:solidFill>
                   <a:srgbClr val="FF0000"/>
@@ -28865,41 +28756,200 @@
       </p:sp>
       <p:sp>
         <p:nvSpPr>
-          <p:cNvPr id="4" name="TextBox 3">
+          <p:cNvPr id="5" name="Content Placeholder 4">
             <a:extLst>
               <a:ext uri="{FF2B5EF4-FFF2-40B4-BE49-F238E27FC236}">
-                <a16:creationId xmlns:a16="http://schemas.microsoft.com/office/drawing/2014/main" id="{E4BCF081-88E3-82A9-6840-FBD446C26294}"/>
+                <a16:creationId xmlns:a16="http://schemas.microsoft.com/office/drawing/2014/main" id="{7377BED5-5AC0-C450-27FE-37228B5B120B}"/>
               </a:ext>
             </a:extLst>
           </p:cNvPr>
-          <p:cNvSpPr txBox="1"/>
+          <p:cNvSpPr txBox="1">
+            <a:spLocks/>
+          </p:cNvSpPr>
           <p:nvPr/>
         </p:nvSpPr>
         <p:spPr>
           <a:xfrm>
-            <a:off x="1005840" y="1417320"/>
-            <a:ext cx="8723376" cy="1754326"/>
+            <a:off x="838200" y="1825625"/>
+            <a:ext cx="10515600" cy="4351338"/>
           </a:xfrm>
           <a:prstGeom prst="rect">
             <a:avLst/>
           </a:prstGeom>
-          <a:noFill/>
         </p:spPr>
         <p:txBody>
-          <a:bodyPr wrap="square" rtlCol="0">
-            <a:spAutoFit/>
-          </a:bodyPr>
-          <a:lstStyle/>
+          <a:bodyPr/>
+          <a:lstStyle>
+            <a:lvl1pPr marL="228600" indent="-228600" algn="l" defTabSz="914400" rtl="0" eaLnBrk="1" latinLnBrk="0" hangingPunct="1">
+              <a:lnSpc>
+                <a:spcPct val="90000"/>
+              </a:lnSpc>
+              <a:spcBef>
+                <a:spcPts val="1000"/>
+              </a:spcBef>
+              <a:buFont typeface="Arial" panose="020B0604020202020204" pitchFamily="34" charset="0"/>
+              <a:buChar char="•"/>
+              <a:defRPr sz="2800" kern="1200">
+                <a:solidFill>
+                  <a:schemeClr val="tx1"/>
+                </a:solidFill>
+                <a:latin typeface="+mn-lt"/>
+                <a:ea typeface="+mn-ea"/>
+                <a:cs typeface="+mn-cs"/>
+              </a:defRPr>
+            </a:lvl1pPr>
+            <a:lvl2pPr marL="685800" indent="-228600" algn="l" defTabSz="914400" rtl="0" eaLnBrk="1" latinLnBrk="0" hangingPunct="1">
+              <a:lnSpc>
+                <a:spcPct val="90000"/>
+              </a:lnSpc>
+              <a:spcBef>
+                <a:spcPts val="500"/>
+              </a:spcBef>
+              <a:buFont typeface="Arial" panose="020B0604020202020204" pitchFamily="34" charset="0"/>
+              <a:buChar char="•"/>
+              <a:defRPr sz="2400" kern="1200">
+                <a:solidFill>
+                  <a:schemeClr val="tx1"/>
+                </a:solidFill>
+                <a:latin typeface="+mn-lt"/>
+                <a:ea typeface="+mn-ea"/>
+                <a:cs typeface="+mn-cs"/>
+              </a:defRPr>
+            </a:lvl2pPr>
+            <a:lvl3pPr marL="1143000" indent="-228600" algn="l" defTabSz="914400" rtl="0" eaLnBrk="1" latinLnBrk="0" hangingPunct="1">
+              <a:lnSpc>
+                <a:spcPct val="90000"/>
+              </a:lnSpc>
+              <a:spcBef>
+                <a:spcPts val="500"/>
+              </a:spcBef>
+              <a:buFont typeface="Arial" panose="020B0604020202020204" pitchFamily="34" charset="0"/>
+              <a:buChar char="•"/>
+              <a:defRPr sz="2000" kern="1200">
+                <a:solidFill>
+                  <a:schemeClr val="tx1"/>
+                </a:solidFill>
+                <a:latin typeface="+mn-lt"/>
+                <a:ea typeface="+mn-ea"/>
+                <a:cs typeface="+mn-cs"/>
+              </a:defRPr>
+            </a:lvl3pPr>
+            <a:lvl4pPr marL="1600200" indent="-228600" algn="l" defTabSz="914400" rtl="0" eaLnBrk="1" latinLnBrk="0" hangingPunct="1">
+              <a:lnSpc>
+                <a:spcPct val="90000"/>
+              </a:lnSpc>
+              <a:spcBef>
+                <a:spcPts val="500"/>
+              </a:spcBef>
+              <a:buFont typeface="Arial" panose="020B0604020202020204" pitchFamily="34" charset="0"/>
+              <a:buChar char="•"/>
+              <a:defRPr sz="1800" kern="1200">
+                <a:solidFill>
+                  <a:schemeClr val="tx1"/>
+                </a:solidFill>
+                <a:latin typeface="+mn-lt"/>
+                <a:ea typeface="+mn-ea"/>
+                <a:cs typeface="+mn-cs"/>
+              </a:defRPr>
+            </a:lvl4pPr>
+            <a:lvl5pPr marL="2057400" indent="-228600" algn="l" defTabSz="914400" rtl="0" eaLnBrk="1" latinLnBrk="0" hangingPunct="1">
+              <a:lnSpc>
+                <a:spcPct val="90000"/>
+              </a:lnSpc>
+              <a:spcBef>
+                <a:spcPts val="500"/>
+              </a:spcBef>
+              <a:buFont typeface="Arial" panose="020B0604020202020204" pitchFamily="34" charset="0"/>
+              <a:buChar char="•"/>
+              <a:defRPr sz="1800" kern="1200">
+                <a:solidFill>
+                  <a:schemeClr val="tx1"/>
+                </a:solidFill>
+                <a:latin typeface="+mn-lt"/>
+                <a:ea typeface="+mn-ea"/>
+                <a:cs typeface="+mn-cs"/>
+              </a:defRPr>
+            </a:lvl5pPr>
+            <a:lvl6pPr marL="2514600" indent="-228600" algn="l" defTabSz="914400" rtl="0" eaLnBrk="1" latinLnBrk="0" hangingPunct="1">
+              <a:lnSpc>
+                <a:spcPct val="90000"/>
+              </a:lnSpc>
+              <a:spcBef>
+                <a:spcPts val="500"/>
+              </a:spcBef>
+              <a:buFont typeface="Arial" panose="020B0604020202020204" pitchFamily="34" charset="0"/>
+              <a:buChar char="•"/>
+              <a:defRPr sz="1800" kern="1200">
+                <a:solidFill>
+                  <a:schemeClr val="tx1"/>
+                </a:solidFill>
+                <a:latin typeface="+mn-lt"/>
+                <a:ea typeface="+mn-ea"/>
+                <a:cs typeface="+mn-cs"/>
+              </a:defRPr>
+            </a:lvl6pPr>
+            <a:lvl7pPr marL="2971800" indent="-228600" algn="l" defTabSz="914400" rtl="0" eaLnBrk="1" latinLnBrk="0" hangingPunct="1">
+              <a:lnSpc>
+                <a:spcPct val="90000"/>
+              </a:lnSpc>
+              <a:spcBef>
+                <a:spcPts val="500"/>
+              </a:spcBef>
+              <a:buFont typeface="Arial" panose="020B0604020202020204" pitchFamily="34" charset="0"/>
+              <a:buChar char="•"/>
+              <a:defRPr sz="1800" kern="1200">
+                <a:solidFill>
+                  <a:schemeClr val="tx1"/>
+                </a:solidFill>
+                <a:latin typeface="+mn-lt"/>
+                <a:ea typeface="+mn-ea"/>
+                <a:cs typeface="+mn-cs"/>
+              </a:defRPr>
+            </a:lvl7pPr>
+            <a:lvl8pPr marL="3429000" indent="-228600" algn="l" defTabSz="914400" rtl="0" eaLnBrk="1" latinLnBrk="0" hangingPunct="1">
+              <a:lnSpc>
+                <a:spcPct val="90000"/>
+              </a:lnSpc>
+              <a:spcBef>
+                <a:spcPts val="500"/>
+              </a:spcBef>
+              <a:buFont typeface="Arial" panose="020B0604020202020204" pitchFamily="34" charset="0"/>
+              <a:buChar char="•"/>
+              <a:defRPr sz="1800" kern="1200">
+                <a:solidFill>
+                  <a:schemeClr val="tx1"/>
+                </a:solidFill>
+                <a:latin typeface="+mn-lt"/>
+                <a:ea typeface="+mn-ea"/>
+                <a:cs typeface="+mn-cs"/>
+              </a:defRPr>
+            </a:lvl8pPr>
+            <a:lvl9pPr marL="3886200" indent="-228600" algn="l" defTabSz="914400" rtl="0" eaLnBrk="1" latinLnBrk="0" hangingPunct="1">
+              <a:lnSpc>
+                <a:spcPct val="90000"/>
+              </a:lnSpc>
+              <a:spcBef>
+                <a:spcPts val="500"/>
+              </a:spcBef>
+              <a:buFont typeface="Arial" panose="020B0604020202020204" pitchFamily="34" charset="0"/>
+              <a:buChar char="•"/>
+              <a:defRPr sz="1800" kern="1200">
+                <a:solidFill>
+                  <a:schemeClr val="tx1"/>
+                </a:solidFill>
+                <a:latin typeface="+mn-lt"/>
+                <a:ea typeface="+mn-ea"/>
+                <a:cs typeface="+mn-cs"/>
+              </a:defRPr>
+            </a:lvl9pPr>
+          </a:lstStyle>
           <a:p>
+            <a:pPr marL="0" indent="0">
+              <a:buNone/>
+            </a:pPr>
             <a:r>
               <a:rPr lang="en-US" dirty="0"/>
               <a:t>What’s next:</a:t>
-            </a:r>
-          </a:p>
-          <a:p>
-            <a:r>
-              <a:rPr lang="en-US" dirty="0"/>
-              <a:t>- Remove unnecessary parameters to improve the grid search functionality</a:t>
             </a:r>
           </a:p>
           <a:p>
@@ -28917,7 +28967,7 @@
             </a:r>
             <a:r>
               <a:rPr lang="en-US" dirty="0"/>
-              <a:t>, )</a:t>
+              <a:t>, remove harmful/useless parameters)</a:t>
             </a:r>
           </a:p>
           <a:p>
@@ -28937,11 +28987,27 @@
             </a:pPr>
             <a:r>
               <a:rPr lang="en-US" dirty="0"/>
-              <a:t>There could be more features that aren’t accounted for in </a:t>
+              <a:t>Include new useful features during the data acquisition stage</a:t>
             </a:r>
+          </a:p>
+          <a:p>
+            <a:pPr marL="285750" indent="-285750">
+              <a:buFontTx/>
+              <a:buChar char="-"/>
+            </a:pPr>
             <a:r>
-              <a:rPr lang="en-US"/>
-              <a:t>this dataset</a:t>
+              <a:rPr lang="en-US" dirty="0"/>
+              <a:t>Attempt new models</a:t>
+            </a:r>
+          </a:p>
+          <a:p>
+            <a:pPr marL="285750" indent="-285750">
+              <a:buFontTx/>
+              <a:buChar char="-"/>
+            </a:pPr>
+            <a:r>
+              <a:rPr lang="en-US" dirty="0"/>
+              <a:t>A professional’s opinion is important to know if the removed features are important or not</a:t>
             </a:r>
           </a:p>
           <a:p>
@@ -28956,7 +29022,7 @@
     </p:spTree>
     <p:extLst>
       <p:ext uri="{BB962C8B-B14F-4D97-AF65-F5344CB8AC3E}">
-        <p14:creationId xmlns:p14="http://schemas.microsoft.com/office/powerpoint/2010/main" val="3313476706"/>
+        <p14:creationId xmlns:p14="http://schemas.microsoft.com/office/powerpoint/2010/main" val="2810530259"/>
       </p:ext>
     </p:extLst>
   </p:cSld>

--- a/Term Project - Group 6 .pptx
+++ b/Term Project - Group 6 .pptx
@@ -125,6 +125,14 @@
     </p:ext>
   </p:extLst>
 </p:presentation>
+</file>
+
+<file path=ppt/revisionInfo.xml><?xml version="1.0" encoding="utf-8"?>
+<p1510:revInfo xmlns:a="http://schemas.openxmlformats.org/drawingml/2006/main" xmlns:r="http://schemas.openxmlformats.org/officeDocument/2006/relationships" xmlns:p1510="http://schemas.microsoft.com/office/powerpoint/2015/10/main">
+  <p1510:revLst>
+    <p1510:client id="{170A6833-8E57-BAF4-F135-2EBCA40ED4F7}" v="257" dt="2024-05-28T20:40:05.346"/>
+  </p1510:revLst>
+</p1510:revInfo>
 </file>
 
 <file path=ppt/diagrams/colors1.xml><?xml version="1.0" encoding="utf-8"?>
@@ -26741,20 +26749,22 @@
           <a:noFill/>
         </p:spPr>
         <p:txBody>
-          <a:bodyPr wrap="square" rtlCol="0">
+          <a:bodyPr wrap="square" lIns="91440" tIns="45720" rIns="91440" bIns="45720" rtlCol="0" anchor="t">
             <a:spAutoFit/>
           </a:bodyPr>
           <a:lstStyle/>
           <a:p>
             <a:r>
-              <a:rPr lang="en-GB" dirty="0"/>
-              <a:t>Introduction                II. Data cleaning                   IV. First models application        VI. Features selection</a:t>
+              <a:rPr lang="en-GB" dirty="0">
+                <a:solidFill>
+                  <a:srgbClr val="000000"/>
+                </a:solidFill>
+              </a:rPr>
+              <a:t>Introduction</a:t>
             </a:r>
-          </a:p>
-          <a:p>
             <a:r>
               <a:rPr lang="en-GB" dirty="0"/>
-              <a:t>I. Data description     III. Data preprocessing        </a:t>
+              <a:t>                II. Data cleaning                       </a:t>
             </a:r>
             <a:r>
               <a:rPr lang="en-GB" b="1" dirty="0">
@@ -26762,7 +26772,28 @@
                   <a:srgbClr val="FF0000"/>
                 </a:solidFill>
               </a:rPr>
-              <a:t>V. Grid search application          </a:t>
+              <a:t>IV. Grid search application</a:t>
+            </a:r>
+            <a:r>
+              <a:rPr lang="en-GB" dirty="0"/>
+              <a:t>      </a:t>
+            </a:r>
+            <a:endParaRPr lang="en-US">
+              <a:cs typeface="Calibri"/>
+            </a:endParaRPr>
+          </a:p>
+          <a:p>
+            <a:r>
+              <a:rPr lang="en-GB" dirty="0"/>
+              <a:t>I. Data description      III. First models application      </a:t>
+            </a:r>
+            <a:r>
+              <a:rPr lang="en-GB" dirty="0">
+                <a:solidFill>
+                  <a:srgbClr val="000000"/>
+                </a:solidFill>
+              </a:rPr>
+              <a:t>  V. Features selection            </a:t>
             </a:r>
             <a:r>
               <a:rPr lang="en-GB" dirty="0"/>
@@ -27319,7 +27350,7 @@
         <p:spPr>
           <a:xfrm>
             <a:off x="754144" y="169682"/>
-            <a:ext cx="11594969" cy="646331"/>
+            <a:ext cx="11594969" cy="923330"/>
           </a:xfrm>
           <a:prstGeom prst="rect">
             <a:avLst/>
@@ -27327,14 +27358,42 @@
           <a:noFill/>
         </p:spPr>
         <p:txBody>
-          <a:bodyPr wrap="square" rtlCol="0">
+          <a:bodyPr wrap="square" lIns="91440" tIns="45720" rIns="91440" bIns="45720" rtlCol="0" anchor="t">
             <a:spAutoFit/>
           </a:bodyPr>
           <a:lstStyle/>
           <a:p>
             <a:r>
+              <a:rPr lang="en-GB" dirty="0">
+                <a:solidFill>
+                  <a:srgbClr val="000000"/>
+                </a:solidFill>
+              </a:rPr>
+              <a:t>Introduction</a:t>
+            </a:r>
+            <a:r>
               <a:rPr lang="en-GB" dirty="0"/>
-              <a:t>Introduction                II. Data cleaning                   IV. First models application        </a:t>
+              <a:t>                II. Data cleaning                       IV. Grid search application</a:t>
+            </a:r>
+            <a:r>
+              <a:rPr lang="en-GB" dirty="0">
+                <a:solidFill>
+                  <a:srgbClr val="000000"/>
+                </a:solidFill>
+              </a:rPr>
+              <a:t>      </a:t>
+            </a:r>
+            <a:endParaRPr lang="en-US">
+              <a:solidFill>
+                <a:srgbClr val="000000"/>
+              </a:solidFill>
+              <a:cs typeface="Calibri"/>
+            </a:endParaRPr>
+          </a:p>
+          <a:p>
+            <a:r>
+              <a:rPr lang="en-GB" dirty="0"/>
+              <a:t>I. Data description      III. First models application        </a:t>
             </a:r>
             <a:r>
               <a:rPr lang="en-GB" b="1" dirty="0">
@@ -27342,14 +27401,20 @@
                   <a:srgbClr val="FF0000"/>
                 </a:solidFill>
               </a:rPr>
-              <a:t>VI. Features selection</a:t>
+              <a:t>V. Features selection </a:t>
+            </a:r>
+            <a:r>
+              <a:rPr lang="en-GB" dirty="0"/>
+              <a:t>           Conclusion</a:t>
             </a:r>
           </a:p>
           <a:p>
-            <a:r>
-              <a:rPr lang="en-GB" dirty="0"/>
-              <a:t>I. Data description     III. Data preprocessing        V. Grid search application          Conclusion</a:t>
-            </a:r>
+            <a:endParaRPr lang="en-GB" b="1" dirty="0">
+              <a:solidFill>
+                <a:srgbClr val="FF0000"/>
+              </a:solidFill>
+              <a:cs typeface="Calibri"/>
+            </a:endParaRPr>
           </a:p>
         </p:txBody>
       </p:sp>
@@ -27687,7 +27752,7 @@
         <p:spPr>
           <a:xfrm>
             <a:off x="754144" y="169682"/>
-            <a:ext cx="11594969" cy="646331"/>
+            <a:ext cx="11594969" cy="923330"/>
           </a:xfrm>
           <a:prstGeom prst="rect">
             <a:avLst/>
@@ -27695,14 +27760,42 @@
           <a:noFill/>
         </p:spPr>
         <p:txBody>
-          <a:bodyPr wrap="square" rtlCol="0">
+          <a:bodyPr wrap="square" lIns="91440" tIns="45720" rIns="91440" bIns="45720" rtlCol="0" anchor="t">
             <a:spAutoFit/>
           </a:bodyPr>
           <a:lstStyle/>
           <a:p>
             <a:r>
+              <a:rPr lang="en-GB" dirty="0">
+                <a:solidFill>
+                  <a:srgbClr val="000000"/>
+                </a:solidFill>
+              </a:rPr>
+              <a:t>Introduction</a:t>
+            </a:r>
+            <a:r>
               <a:rPr lang="en-GB" dirty="0"/>
-              <a:t>Introduction                II. Data cleaning                   IV. First models application        </a:t>
+              <a:t>                II. Data cleaning                       IV. Grid search application</a:t>
+            </a:r>
+            <a:r>
+              <a:rPr lang="en-GB" dirty="0">
+                <a:solidFill>
+                  <a:srgbClr val="000000"/>
+                </a:solidFill>
+              </a:rPr>
+              <a:t>      </a:t>
+            </a:r>
+            <a:endParaRPr lang="en-US">
+              <a:solidFill>
+                <a:srgbClr val="000000"/>
+              </a:solidFill>
+              <a:cs typeface="Calibri"/>
+            </a:endParaRPr>
+          </a:p>
+          <a:p>
+            <a:r>
+              <a:rPr lang="en-GB" dirty="0"/>
+              <a:t>I. Data description      III. First models application        </a:t>
             </a:r>
             <a:r>
               <a:rPr lang="en-GB" b="1" dirty="0">
@@ -27710,14 +27803,20 @@
                   <a:srgbClr val="FF0000"/>
                 </a:solidFill>
               </a:rPr>
-              <a:t>VI. Features selection</a:t>
+              <a:t>V. Features selection</a:t>
+            </a:r>
+            <a:r>
+              <a:rPr lang="en-GB" dirty="0"/>
+              <a:t>            Conclusion</a:t>
             </a:r>
           </a:p>
           <a:p>
-            <a:r>
-              <a:rPr lang="en-GB" dirty="0"/>
-              <a:t>I. Data description     III. Data preprocessing        V. Grid search application          Conclusion</a:t>
-            </a:r>
+            <a:endParaRPr lang="en-GB" b="1" dirty="0">
+              <a:solidFill>
+                <a:srgbClr val="FF0000"/>
+              </a:solidFill>
+              <a:cs typeface="Calibri"/>
+            </a:endParaRPr>
           </a:p>
         </p:txBody>
       </p:sp>
@@ -28720,7 +28819,7 @@
         <p:spPr>
           <a:xfrm>
             <a:off x="754144" y="169682"/>
-            <a:ext cx="11594969" cy="646331"/>
+            <a:ext cx="11594969" cy="923330"/>
           </a:xfrm>
           <a:prstGeom prst="rect">
             <a:avLst/>
@@ -28728,29 +28827,54 @@
           <a:noFill/>
         </p:spPr>
         <p:txBody>
-          <a:bodyPr wrap="square" rtlCol="0">
+          <a:bodyPr wrap="square" lIns="91440" tIns="45720" rIns="91440" bIns="45720" rtlCol="0" anchor="t">
             <a:spAutoFit/>
           </a:bodyPr>
           <a:lstStyle/>
           <a:p>
             <a:r>
+              <a:rPr lang="en-GB" dirty="0">
+                <a:solidFill>
+                  <a:srgbClr val="000000"/>
+                </a:solidFill>
+              </a:rPr>
+              <a:t>Introduction</a:t>
+            </a:r>
+            <a:r>
               <a:rPr lang="en-GB" dirty="0"/>
-              <a:t>Introduction                II. Data cleaning                   IV. First models application        VI. Features selection</a:t>
+              <a:t>                II. Data cleaning                       IV. Grid search application      </a:t>
             </a:r>
+            <a:endParaRPr lang="en-US" dirty="0">
+              <a:cs typeface="Calibri"/>
+            </a:endParaRPr>
           </a:p>
           <a:p>
             <a:r>
               <a:rPr lang="en-GB" dirty="0"/>
-              <a:t>I. Data description     III. Data preprocessing        V. Grid search application          </a:t>
+              <a:t>I. Data description      III. First models application        V. Features selection            </a:t>
             </a:r>
             <a:r>
-              <a:rPr lang="en-GB" dirty="0">
+              <a:rPr lang="en-GB" b="1" dirty="0">
                 <a:solidFill>
                   <a:srgbClr val="FF0000"/>
                 </a:solidFill>
               </a:rPr>
               <a:t>Conclusion</a:t>
             </a:r>
+            <a:endParaRPr lang="en-GB" b="1" dirty="0">
+              <a:solidFill>
+                <a:srgbClr val="FF0000"/>
+              </a:solidFill>
+              <a:cs typeface="Calibri"/>
+            </a:endParaRPr>
+          </a:p>
+          <a:p>
+            <a:endParaRPr lang="en-GB" dirty="0">
+              <a:solidFill>
+                <a:srgbClr val="000000"/>
+              </a:solidFill>
+              <a:cs typeface="Calibri"/>
+            </a:endParaRPr>
           </a:p>
         </p:txBody>
       </p:sp>
@@ -29226,7 +29350,7 @@
           <a:noFill/>
         </p:spPr>
         <p:txBody>
-          <a:bodyPr wrap="square" rtlCol="0">
+          <a:bodyPr wrap="square" lIns="91440" tIns="45720" rIns="91440" bIns="45720" rtlCol="0" anchor="t">
             <a:spAutoFit/>
           </a:bodyPr>
           <a:lstStyle/>
@@ -29241,14 +29365,17 @@
             </a:r>
             <a:r>
               <a:rPr lang="en-GB" dirty="0"/>
-              <a:t>                II. Data cleaning                   IV. First models application        VI. Features selection</a:t>
+              <a:t>                II. Data cleaning                       IV. Grid search application      </a:t>
             </a:r>
           </a:p>
           <a:p>
             <a:r>
               <a:rPr lang="en-GB" dirty="0"/>
-              <a:t>I. Data description      III. Data preprocessing        V. Grid search application          Conclusion</a:t>
+              <a:t>I. Data description      III. First models application        V. Features selection            Conclusion</a:t>
             </a:r>
+            <a:endParaRPr lang="en-GB" dirty="0">
+              <a:cs typeface="Calibri"/>
+            </a:endParaRPr>
           </a:p>
         </p:txBody>
       </p:sp>
@@ -30015,7 +30142,7 @@
         <p:spPr>
           <a:xfrm>
             <a:off x="754144" y="169682"/>
-            <a:ext cx="11594969" cy="646331"/>
+            <a:ext cx="11594969" cy="923330"/>
           </a:xfrm>
           <a:prstGeom prst="rect">
             <a:avLst/>
@@ -30023,15 +30150,18 @@
           <a:noFill/>
         </p:spPr>
         <p:txBody>
-          <a:bodyPr wrap="square" rtlCol="0">
+          <a:bodyPr wrap="square" lIns="91440" tIns="45720" rIns="91440" bIns="45720" rtlCol="0" anchor="t">
             <a:spAutoFit/>
           </a:bodyPr>
           <a:lstStyle/>
           <a:p>
             <a:r>
               <a:rPr lang="en-GB" dirty="0"/>
-              <a:t>Introduction                II. Data cleaning                   IV. First models application        VI. Features selection</a:t>
+              <a:t>Introduction                II. Data cleaning                       IV. Grid search application      </a:t>
             </a:r>
+            <a:endParaRPr lang="en-US">
+              <a:cs typeface="Calibri"/>
+            </a:endParaRPr>
           </a:p>
           <a:p>
             <a:r>
@@ -30040,12 +30170,28 @@
                   <a:srgbClr val="FF0000"/>
                 </a:solidFill>
               </a:rPr>
-              <a:t>I. Data description     </a:t>
+              <a:t>I. Data description   </a:t>
+            </a:r>
+            <a:r>
+              <a:rPr lang="en-GB" dirty="0">
+                <a:solidFill>
+                  <a:srgbClr val="000000"/>
+                </a:solidFill>
+              </a:rPr>
+              <a:t>   </a:t>
             </a:r>
             <a:r>
               <a:rPr lang="en-GB" dirty="0"/>
-              <a:t>III. Data preprocessing        V. Grid search application          Conclusion</a:t>
+              <a:t>III. First models application        V. Features selection            Conclusion</a:t>
             </a:r>
+            <a:endParaRPr lang="en-GB">
+              <a:cs typeface="Calibri"/>
+            </a:endParaRPr>
+          </a:p>
+          <a:p>
+            <a:endParaRPr lang="en-GB" dirty="0">
+              <a:cs typeface="Calibri"/>
+            </a:endParaRPr>
           </a:p>
         </p:txBody>
       </p:sp>
@@ -30459,7 +30605,7 @@
         <p:spPr>
           <a:xfrm>
             <a:off x="754144" y="169682"/>
-            <a:ext cx="11594969" cy="646331"/>
+            <a:ext cx="11594969" cy="923330"/>
           </a:xfrm>
           <a:prstGeom prst="rect">
             <a:avLst/>
@@ -30467,15 +30613,26 @@
           <a:noFill/>
         </p:spPr>
         <p:txBody>
-          <a:bodyPr wrap="square" rtlCol="0">
+          <a:bodyPr wrap="square" lIns="91440" tIns="45720" rIns="91440" bIns="45720" rtlCol="0" anchor="t">
             <a:spAutoFit/>
           </a:bodyPr>
           <a:lstStyle/>
           <a:p>
             <a:r>
+              <a:rPr lang="en-GB" dirty="0">
+                <a:solidFill>
+                  <a:srgbClr val="000000"/>
+                </a:solidFill>
+              </a:rPr>
+              <a:t>Introduction</a:t>
+            </a:r>
+            <a:r>
               <a:rPr lang="en-GB" dirty="0"/>
-              <a:t>Introduction                II. Data cleaning                   IV. First models application        VI. Features selection</a:t>
+              <a:t>                II. Data cleaning                       IV. Grid search application      </a:t>
             </a:r>
+            <a:endParaRPr lang="en-US" dirty="0">
+              <a:cs typeface="Calibri"/>
+            </a:endParaRPr>
           </a:p>
           <a:p>
             <a:r>
@@ -30484,12 +30641,25 @@
                   <a:srgbClr val="FF0000"/>
                 </a:solidFill>
               </a:rPr>
-              <a:t>I. Data description     </a:t>
+              <a:t>I. Data description</a:t>
+            </a:r>
+            <a:r>
+              <a:rPr lang="en-GB" dirty="0">
+                <a:solidFill>
+                  <a:srgbClr val="000000"/>
+                </a:solidFill>
+              </a:rPr>
+              <a:t>      </a:t>
             </a:r>
             <a:r>
               <a:rPr lang="en-GB" dirty="0"/>
-              <a:t>III. Data preprocessing        V. Grid search application          Conclusion</a:t>
+              <a:t>III. First models application        V. Features selection            Conclusion</a:t>
             </a:r>
+          </a:p>
+          <a:p>
+            <a:endParaRPr lang="en-GB" dirty="0">
+              <a:cs typeface="Calibri"/>
+            </a:endParaRPr>
           </a:p>
         </p:txBody>
       </p:sp>
@@ -30669,7 +30839,7 @@
         <p:spPr>
           <a:xfrm>
             <a:off x="754144" y="169682"/>
-            <a:ext cx="11594969" cy="646331"/>
+            <a:ext cx="11594969" cy="923330"/>
           </a:xfrm>
           <a:prstGeom prst="rect">
             <a:avLst/>
@@ -30677,14 +30847,30 @@
           <a:noFill/>
         </p:spPr>
         <p:txBody>
-          <a:bodyPr wrap="square" rtlCol="0">
+          <a:bodyPr wrap="square" lIns="91440" tIns="45720" rIns="91440" bIns="45720" rtlCol="0" anchor="t">
             <a:spAutoFit/>
           </a:bodyPr>
           <a:lstStyle/>
           <a:p>
             <a:r>
+              <a:rPr lang="en-GB" dirty="0">
+                <a:solidFill>
+                  <a:srgbClr val="000000"/>
+                </a:solidFill>
+              </a:rPr>
+              <a:t>Introduction</a:t>
+            </a:r>
+            <a:r>
               <a:rPr lang="en-GB" dirty="0"/>
-              <a:t>Introduction                </a:t>
+              <a:t> </a:t>
+            </a:r>
+            <a:r>
+              <a:rPr lang="en-GB" dirty="0">
+                <a:solidFill>
+                  <a:srgbClr val="000000"/>
+                </a:solidFill>
+              </a:rPr>
+              <a:t>               </a:t>
             </a:r>
             <a:r>
               <a:rPr lang="en-GB" b="1" dirty="0">
@@ -30692,18 +30878,46 @@
                   <a:srgbClr val="FF0000"/>
                 </a:solidFill>
               </a:rPr>
-              <a:t>II. Data cleaning                   </a:t>
+              <a:t>II. Data cleaning  </a:t>
+            </a:r>
+            <a:r>
+              <a:rPr lang="en-GB" dirty="0">
+                <a:solidFill>
+                  <a:srgbClr val="000000"/>
+                </a:solidFill>
+              </a:rPr>
+              <a:t> </a:t>
             </a:r>
             <a:r>
               <a:rPr lang="en-GB" dirty="0"/>
-              <a:t>IV. First models application        VI. Features selection</a:t>
+              <a:t>                   </a:t>
             </a:r>
+            <a:r>
+              <a:rPr lang="en-GB" dirty="0">
+                <a:solidFill>
+                  <a:srgbClr val="000000"/>
+                </a:solidFill>
+              </a:rPr>
+              <a:t> </a:t>
+            </a:r>
+            <a:r>
+              <a:rPr lang="en-GB" dirty="0"/>
+              <a:t>IV. Grid search application      </a:t>
+            </a:r>
+            <a:endParaRPr lang="en-US">
+              <a:cs typeface="Calibri"/>
+            </a:endParaRPr>
           </a:p>
           <a:p>
             <a:r>
               <a:rPr lang="en-GB" dirty="0"/>
-              <a:t>I. Data description     III. Data preprocessing        V. Grid search application          Conclusion</a:t>
+              <a:t>I. Data description      III. First models application        V. Features selection            Conclusion</a:t>
             </a:r>
+          </a:p>
+          <a:p>
+            <a:endParaRPr lang="en-GB" dirty="0">
+              <a:cs typeface="Calibri"/>
+            </a:endParaRPr>
           </a:p>
         </p:txBody>
       </p:sp>
@@ -31422,7 +31636,7 @@
         <p:spPr>
           <a:xfrm>
             <a:off x="754144" y="169682"/>
-            <a:ext cx="11594969" cy="646331"/>
+            <a:ext cx="11594969" cy="923330"/>
           </a:xfrm>
           <a:prstGeom prst="rect">
             <a:avLst/>
@@ -31430,14 +31644,55 @@
           <a:noFill/>
         </p:spPr>
         <p:txBody>
-          <a:bodyPr wrap="square" rtlCol="0">
+          <a:bodyPr wrap="square" lIns="91440" tIns="45720" rIns="91440" bIns="45720" rtlCol="0" anchor="t">
             <a:spAutoFit/>
           </a:bodyPr>
           <a:lstStyle/>
           <a:p>
             <a:r>
+              <a:rPr lang="en-GB" dirty="0">
+                <a:solidFill>
+                  <a:srgbClr val="000000"/>
+                </a:solidFill>
+              </a:rPr>
+              <a:t>Introduction</a:t>
+            </a:r>
+            <a:r>
               <a:rPr lang="en-GB" dirty="0"/>
-              <a:t>Introduction                II. Data cleaning                   </a:t>
+              <a:t>                II. Data cleaning   </a:t>
+            </a:r>
+            <a:r>
+              <a:rPr lang="en-GB" dirty="0">
+                <a:solidFill>
+                  <a:srgbClr val="000000"/>
+                </a:solidFill>
+              </a:rPr>
+              <a:t>                   </a:t>
+            </a:r>
+            <a:r>
+              <a:rPr lang="en-GB" dirty="0"/>
+              <a:t> </a:t>
+            </a:r>
+            <a:r>
+              <a:rPr lang="en-GB" dirty="0">
+                <a:solidFill>
+                  <a:srgbClr val="000000"/>
+                </a:solidFill>
+              </a:rPr>
+              <a:t>IV. Grid search application</a:t>
+            </a:r>
+            <a:r>
+              <a:rPr lang="en-GB" dirty="0"/>
+              <a:t>      </a:t>
+            </a:r>
+            <a:endParaRPr lang="en-US">
+              <a:cs typeface="Calibri"/>
+            </a:endParaRPr>
+          </a:p>
+          <a:p>
+            <a:r>
+              <a:rPr lang="en-GB" dirty="0"/>
+              <a:t>I. Data description      </a:t>
             </a:r>
             <a:r>
               <a:rPr lang="en-GB" b="1" dirty="0">
@@ -31445,18 +31700,20 @@
                   <a:srgbClr val="FF0000"/>
                 </a:solidFill>
               </a:rPr>
-              <a:t>IV. First models application        </a:t>
+              <a:t>III. First models application </a:t>
             </a:r>
             <a:r>
               <a:rPr lang="en-GB" dirty="0"/>
-              <a:t>VI. Features selection</a:t>
+              <a:t>       V. Features selection            Conclusion</a:t>
             </a:r>
+            <a:endParaRPr lang="en-GB">
+              <a:cs typeface="Calibri"/>
+            </a:endParaRPr>
           </a:p>
           <a:p>
-            <a:r>
-              <a:rPr lang="en-GB" dirty="0"/>
-              <a:t>I. Data description     III. Data preprocessing        V. Grid search application          Conclusion</a:t>
-            </a:r>
+            <a:endParaRPr lang="en-GB" dirty="0">
+              <a:cs typeface="Calibri"/>
+            </a:endParaRPr>
           </a:p>
         </p:txBody>
       </p:sp>
@@ -31534,7 +31791,7 @@
         <p:spPr>
           <a:xfrm>
             <a:off x="754144" y="169682"/>
-            <a:ext cx="11594969" cy="646331"/>
+            <a:ext cx="11594969" cy="923330"/>
           </a:xfrm>
           <a:prstGeom prst="rect">
             <a:avLst/>
@@ -31542,20 +31799,22 @@
           <a:noFill/>
         </p:spPr>
         <p:txBody>
-          <a:bodyPr wrap="square" rtlCol="0">
+          <a:bodyPr wrap="square" lIns="91440" tIns="45720" rIns="91440" bIns="45720" rtlCol="0" anchor="t">
             <a:spAutoFit/>
           </a:bodyPr>
           <a:lstStyle/>
           <a:p>
             <a:r>
-              <a:rPr lang="en-GB" dirty="0"/>
-              <a:t>Introduction                II. Data cleaning                   IV. First models application        VI. Features selection</a:t>
+              <a:rPr lang="en-GB" dirty="0">
+                <a:solidFill>
+                  <a:srgbClr val="000000"/>
+                </a:solidFill>
+              </a:rPr>
+              <a:t>Introduction</a:t>
             </a:r>
-          </a:p>
-          <a:p>
             <a:r>
               <a:rPr lang="en-GB" dirty="0"/>
-              <a:t>I. Data description     III. Data preprocessing        </a:t>
+              <a:t>                II. Data cleaning                       </a:t>
             </a:r>
             <a:r>
               <a:rPr lang="en-GB" b="1" dirty="0">
@@ -31563,12 +31822,41 @@
                   <a:srgbClr val="FF0000"/>
                 </a:solidFill>
               </a:rPr>
-              <a:t>V. Grid search application          </a:t>
+              <a:t>IV. Grid search application </a:t>
+            </a:r>
+            <a:r>
+              <a:rPr lang="en-GB" dirty="0"/>
+              <a:t>     </a:t>
+            </a:r>
+            <a:endParaRPr lang="en-US">
+              <a:cs typeface="Calibri"/>
+            </a:endParaRPr>
+          </a:p>
+          <a:p>
+            <a:r>
+              <a:rPr lang="en-GB" dirty="0"/>
+              <a:t>I. Data description      III. First models application      </a:t>
+            </a:r>
+            <a:r>
+              <a:rPr lang="en-GB" dirty="0">
+                <a:solidFill>
+                  <a:srgbClr val="000000"/>
+                </a:solidFill>
+              </a:rPr>
+              <a:t>  V. Features selection            </a:t>
             </a:r>
             <a:r>
               <a:rPr lang="en-GB" dirty="0"/>
               <a:t>Conclusion</a:t>
             </a:r>
+            <a:endParaRPr lang="en-GB">
+              <a:cs typeface="Calibri"/>
+            </a:endParaRPr>
+          </a:p>
+          <a:p>
+            <a:endParaRPr lang="en-GB" dirty="0">
+              <a:cs typeface="Calibri"/>
+            </a:endParaRPr>
           </a:p>
         </p:txBody>
       </p:sp>
@@ -31699,7 +31987,7 @@
         <p:spPr>
           <a:xfrm>
             <a:off x="754144" y="169682"/>
-            <a:ext cx="11594969" cy="646331"/>
+            <a:ext cx="11594969" cy="923330"/>
           </a:xfrm>
           <a:prstGeom prst="rect">
             <a:avLst/>
@@ -31707,20 +31995,22 @@
           <a:noFill/>
         </p:spPr>
         <p:txBody>
-          <a:bodyPr wrap="square" rtlCol="0">
+          <a:bodyPr wrap="square" lIns="91440" tIns="45720" rIns="91440" bIns="45720" rtlCol="0" anchor="t">
             <a:spAutoFit/>
           </a:bodyPr>
           <a:lstStyle/>
           <a:p>
             <a:r>
-              <a:rPr lang="en-GB" dirty="0"/>
-              <a:t>Introduction                II. Data cleaning                   IV. First models application        VI. Features selection</a:t>
+              <a:rPr lang="en-GB" dirty="0">
+                <a:solidFill>
+                  <a:srgbClr val="000000"/>
+                </a:solidFill>
+              </a:rPr>
+              <a:t>Introduction</a:t>
             </a:r>
-          </a:p>
-          <a:p>
             <a:r>
               <a:rPr lang="en-GB" dirty="0"/>
-              <a:t>I. Data description     III. Data preprocessing        </a:t>
+              <a:t>                II. Data cleaning                      </a:t>
             </a:r>
             <a:r>
               <a:rPr lang="en-GB" b="1" dirty="0">
@@ -31728,12 +32018,38 @@
                   <a:srgbClr val="FF0000"/>
                 </a:solidFill>
               </a:rPr>
-              <a:t>V. Grid search application          </a:t>
+              <a:t> IV. Grid search application</a:t>
+            </a:r>
+            <a:r>
+              <a:rPr lang="en-GB" dirty="0"/>
+              <a:t>      </a:t>
+            </a:r>
+            <a:endParaRPr lang="en-US">
+              <a:cs typeface="Calibri"/>
+            </a:endParaRPr>
+          </a:p>
+          <a:p>
+            <a:r>
+              <a:rPr lang="en-GB" dirty="0"/>
+              <a:t>I. Data description      III. First models application      </a:t>
+            </a:r>
+            <a:r>
+              <a:rPr lang="en-GB" dirty="0">
+                <a:solidFill>
+                  <a:srgbClr val="000000"/>
+                </a:solidFill>
+              </a:rPr>
+              <a:t>  V. Features selection            </a:t>
             </a:r>
             <a:r>
               <a:rPr lang="en-GB" dirty="0"/>
               <a:t>Conclusion</a:t>
             </a:r>
+          </a:p>
+          <a:p>
+            <a:endParaRPr lang="en-GB" dirty="0">
+              <a:cs typeface="Calibri"/>
+            </a:endParaRPr>
           </a:p>
         </p:txBody>
       </p:sp>
